--- a/Documentation/Architecture Technique/Choix Hardware.pptx
+++ b/Documentation/Architecture Technique/Choix Hardware.pptx
@@ -286,7 +286,7 @@
             <a:fld id="{938FC91C-8F72-4FC3-9EE1-E00D3E055101}" type="datetimeFigureOut">
               <a:rPr lang="fr-FR" smtClean="0"/>
               <a:pPr/>
-              <a:t>11/01/2020</a:t>
+              <a:t>26/01/2020</a:t>
             </a:fld>
             <a:endParaRPr lang="fr-FR" dirty="0"/>
           </a:p>
@@ -501,7 +501,7 @@
             <a:fld id="{938FC91C-8F72-4FC3-9EE1-E00D3E055101}" type="datetimeFigureOut">
               <a:rPr lang="fr-FR" smtClean="0"/>
               <a:pPr/>
-              <a:t>11/01/2020</a:t>
+              <a:t>26/01/2020</a:t>
             </a:fld>
             <a:endParaRPr lang="fr-FR" dirty="0"/>
           </a:p>
@@ -681,7 +681,7 @@
             <a:fld id="{938FC91C-8F72-4FC3-9EE1-E00D3E055101}" type="datetimeFigureOut">
               <a:rPr lang="fr-FR" smtClean="0"/>
               <a:pPr/>
-              <a:t>11/01/2020</a:t>
+              <a:t>26/01/2020</a:t>
             </a:fld>
             <a:endParaRPr lang="fr-FR" dirty="0"/>
           </a:p>
@@ -796,7 +796,7 @@
           <a:p>
             <a:fld id="{938FC91C-8F72-4FC3-9EE1-E00D3E055101}" type="datetimeFigureOut">
               <a:rPr lang="fr-FR" smtClean="0"/>
-              <a:t>11/01/2020</a:t>
+              <a:t>26/01/2020</a:t>
             </a:fld>
             <a:endParaRPr lang="fr-FR"/>
           </a:p>
@@ -1049,7 +1049,7 @@
           <a:p>
             <a:fld id="{938FC91C-8F72-4FC3-9EE1-E00D3E055101}" type="datetimeFigureOut">
               <a:rPr lang="fr-FR" smtClean="0"/>
-              <a:t>11/01/2020</a:t>
+              <a:t>26/01/2020</a:t>
             </a:fld>
             <a:endParaRPr lang="fr-FR" dirty="0"/>
           </a:p>
@@ -1649,7 +1649,7 @@
               <a:buChar char="Ø"/>
             </a:pPr>
             <a:r>
-              <a:rPr lang="fr-FR" sz="2000" dirty="0"/>
+              <a:rPr lang="fr-FR" dirty="0"/>
               <a:t>Peu consommateur en électricité</a:t>
             </a:r>
           </a:p>
@@ -1659,7 +1659,7 @@
               <a:buChar char="Ø"/>
             </a:pPr>
             <a:r>
-              <a:rPr lang="fr-FR" sz="2000" dirty="0"/>
+              <a:rPr lang="fr-FR" dirty="0"/>
               <a:t>Une bonne capacité réseau avec port Ethernet</a:t>
             </a:r>
           </a:p>
@@ -1669,8 +1669,8 @@
               <a:buChar char="Ø"/>
             </a:pPr>
             <a:r>
-              <a:rPr lang="fr-FR" sz="2000" dirty="0"/>
-              <a:t>Utilisation de peu de ressources (métaux rares, matières premières…)</a:t>
+              <a:rPr lang="fr-FR" dirty="0"/>
+              <a:t>Utilisation de peu de ressources (métaux rares, matières premières...)</a:t>
             </a:r>
           </a:p>
           <a:p>
@@ -1679,7 +1679,7 @@
               <a:buChar char="Ø"/>
             </a:pPr>
             <a:r>
-              <a:rPr lang="fr-FR" sz="2000" dirty="0"/>
+              <a:rPr lang="fr-FR" dirty="0"/>
               <a:t>Pouvoir faire de la programmation système Linux </a:t>
             </a:r>
           </a:p>
@@ -1689,23 +1689,17 @@
               <a:buChar char="Ø"/>
             </a:pPr>
             <a:r>
-              <a:rPr lang="fr-FR" sz="2000" dirty="0"/>
-              <a:t>Pouvoir faire une chaine </a:t>
-            </a:r>
-            <a:r>
-              <a:rPr lang="fr-FR" sz="2000" dirty="0" err="1"/>
-              <a:t>Devopps</a:t>
-            </a:r>
-            <a:r>
-              <a:rPr lang="fr-FR" sz="2000" dirty="0"/>
-              <a:t> et une gestion des mise à jours</a:t>
-            </a:r>
-          </a:p>
-          <a:p>
-            <a:pPr marL="342900" indent="-342900">
-              <a:buFont typeface="Wingdings" panose="05000000000000000000" pitchFamily="2" charset="2"/>
-              <a:buChar char="Ø"/>
-            </a:pPr>
+              <a:rPr lang="fr-FR" dirty="0"/>
+              <a:t>Pouvoir faire une chaine Devopps et une gestion des </a:t>
+            </a:r>
+            <a:r>
+              <a:rPr lang="fr-FR" dirty="0" err="1"/>
+              <a:t>misesà</a:t>
+            </a:r>
+            <a:r>
+              <a:rPr lang="fr-FR" dirty="0"/>
+              <a:t> jours</a:t>
+            </a:r>
             <a:endParaRPr lang="fr-FR" sz="2000" dirty="0"/>
           </a:p>
         </p:txBody>
@@ -2050,25 +2044,7 @@
                 </a:solidFill>
                 <a:latin typeface="Abadi Extra Light" panose="020B0204020104020204" pitchFamily="34" charset="0"/>
               </a:rPr>
-              <a:t>Prix de 40€ </a:t>
-            </a:r>
-            <a:r>
-              <a:rPr lang="fr-FR" dirty="0" err="1">
-                <a:solidFill>
-                  <a:schemeClr val="tx1"/>
-                </a:solidFill>
-                <a:latin typeface="Abadi Extra Light" panose="020B0204020104020204" pitchFamily="34" charset="0"/>
-              </a:rPr>
-              <a:t>assé</a:t>
-            </a:r>
-            <a:r>
-              <a:rPr lang="fr-FR" dirty="0">
-                <a:solidFill>
-                  <a:schemeClr val="tx1"/>
-                </a:solidFill>
-                <a:latin typeface="Abadi Extra Light" panose="020B0204020104020204" pitchFamily="34" charset="0"/>
-              </a:rPr>
-              <a:t> conséquent</a:t>
+              <a:t>Prix de 40€ assez conséquent</a:t>
             </a:r>
           </a:p>
           <a:p>
@@ -3042,7 +3018,31 @@
           <a:p>
             <a:r>
               <a:rPr lang="fr-FR" dirty="0"/>
-              <a:t>Deux possibilité ont été présélectionné par rapport à leur popularité nous permettant d’avoir une documentation foisonnante et des modules complémentaires facilement compatible (Ethernet, détecteur de mouvement)</a:t>
+              <a:t>Deux </a:t>
+            </a:r>
+            <a:r>
+              <a:rPr lang="fr-FR" dirty="0" err="1"/>
+              <a:t>possibilitésont</a:t>
+            </a:r>
+            <a:r>
+              <a:rPr lang="fr-FR" dirty="0"/>
+              <a:t> été </a:t>
+            </a:r>
+            <a:r>
+              <a:rPr lang="fr-FR" dirty="0" err="1"/>
+              <a:t>présélectionnéespar</a:t>
+            </a:r>
+            <a:r>
+              <a:rPr lang="fr-FR" dirty="0"/>
+              <a:t> rapport à leur popularité nous permettant d’avoir une documentation </a:t>
+            </a:r>
+            <a:r>
+              <a:rPr lang="fr-FR" dirty="0" err="1"/>
+              <a:t>foisonnanteet</a:t>
+            </a:r>
+            <a:r>
+              <a:rPr lang="fr-FR" dirty="0"/>
+              <a:t> des modules complémentaires facilement compatibles(Ethernet, détecteur de mouvements)</a:t>
             </a:r>
           </a:p>
         </p:txBody>
@@ -3168,7 +3168,7 @@
         <p:spPr>
           <a:xfrm>
             <a:off x="5227782" y="211996"/>
-            <a:ext cx="6696363" cy="5939422"/>
+            <a:ext cx="6696363" cy="5940088"/>
           </a:xfrm>
           <a:prstGeom prst="rect">
             <a:avLst/>
@@ -3221,8 +3221,8 @@
         </p:nvSpPr>
         <p:spPr>
           <a:xfrm>
-            <a:off x="5227782" y="211995"/>
-            <a:ext cx="6687127" cy="6463308"/>
+            <a:off x="5191686" y="211995"/>
+            <a:ext cx="6687127" cy="5940088"/>
           </a:xfrm>
           <a:prstGeom prst="rect">
             <a:avLst/>
@@ -3237,200 +3237,154 @@
           <a:p>
             <a:pPr algn="just"/>
             <a:r>
-              <a:rPr lang="fr-FR" dirty="0">
-                <a:latin typeface="Abadi Extra Light" panose="020B0204020104020204" pitchFamily="34" charset="0"/>
-              </a:rPr>
-              <a:t>Les cartes Arduino sont des micros-contrôleurs open-source venant avec leurs propres software et permettant de faire tourner 1 programme qui gérer les entrée (capteurs, claviers…) et sorties.</a:t>
-            </a:r>
-          </a:p>
-          <a:p>
-            <a:pPr algn="just"/>
-            <a:endParaRPr lang="fr-FR" dirty="0">
+              <a:rPr lang="fr-FR" sz="2000" dirty="0">
+                <a:latin typeface="Abadi Extra Light" panose="020B0204020104020204" pitchFamily="34" charset="0"/>
+              </a:rPr>
+              <a:t>Les cartes Arduino sont des micros-contrôleurs open-source disposant de leur propre software et permettant de faire tourner un programme qui gère les entrées et </a:t>
+            </a:r>
+            <a:r>
+              <a:rPr lang="fr-FR" sz="2000" dirty="0" err="1">
+                <a:latin typeface="Abadi Extra Light" panose="020B0204020104020204" pitchFamily="34" charset="0"/>
+              </a:rPr>
+              <a:t>lessorties</a:t>
+            </a:r>
+            <a:r>
+              <a:rPr lang="fr-FR" sz="2000" dirty="0">
+                <a:latin typeface="Abadi Extra Light" panose="020B0204020104020204" pitchFamily="34" charset="0"/>
+              </a:rPr>
+              <a:t>.</a:t>
+            </a:r>
+          </a:p>
+          <a:p>
+            <a:endParaRPr lang="fr-FR" sz="2000" dirty="0">
               <a:latin typeface="Abadi Extra Light" panose="020B0204020104020204" pitchFamily="34" charset="0"/>
             </a:endParaRPr>
           </a:p>
           <a:p>
-            <a:pPr marL="285750" indent="-285750" algn="just">
+            <a:pPr marL="285750" indent="-285750">
               <a:buFont typeface="Arial" panose="020B0604020202020204" pitchFamily="34" charset="0"/>
               <a:buChar char="•"/>
             </a:pPr>
             <a:r>
-              <a:rPr lang="fr-FR" dirty="0">
-                <a:latin typeface="Abadi Extra Light" panose="020B0204020104020204" pitchFamily="34" charset="0"/>
-              </a:rPr>
-              <a:t>Le software venant avec Arduino est asse simple d’utilisation (proche du python) et offre un haut niveau d’abstraction.</a:t>
-            </a:r>
-          </a:p>
-          <a:p>
-            <a:pPr algn="just"/>
-            <a:endParaRPr lang="fr-FR" dirty="0">
+              <a:rPr lang="fr-FR" sz="2000" dirty="0">
+                <a:latin typeface="Abadi Extra Light" panose="020B0204020104020204" pitchFamily="34" charset="0"/>
+              </a:rPr>
+              <a:t>Le software d’Arduino est assez simple d’utilisation (proche du python) et offre un haut niveau d’abstraction.</a:t>
+            </a:r>
+          </a:p>
+          <a:p>
+            <a:endParaRPr lang="fr-FR" sz="2000" dirty="0">
               <a:latin typeface="Abadi Extra Light" panose="020B0204020104020204" pitchFamily="34" charset="0"/>
             </a:endParaRPr>
           </a:p>
           <a:p>
-            <a:pPr marL="285750" indent="-285750" algn="just">
+            <a:pPr marL="285750" indent="-285750">
               <a:buFont typeface="Arial" panose="020B0604020202020204" pitchFamily="34" charset="0"/>
               <a:buChar char="•"/>
             </a:pPr>
             <a:r>
-              <a:rPr lang="fr-FR" dirty="0">
-                <a:latin typeface="Abadi Extra Light" panose="020B0204020104020204" pitchFamily="34" charset="0"/>
-              </a:rPr>
-              <a:t>Idéal pour les projets avec peu de fonctionnalités</a:t>
-            </a:r>
-          </a:p>
-          <a:p>
-            <a:pPr marL="285750" indent="-285750" algn="just">
+              <a:rPr lang="fr-FR" sz="2000" dirty="0">
+                <a:latin typeface="Abadi Extra Light" panose="020B0204020104020204" pitchFamily="34" charset="0"/>
+              </a:rPr>
+              <a:t>Idéal pour les projets avec peu de fonctionnalités.</a:t>
+            </a:r>
+          </a:p>
+          <a:p>
+            <a:endParaRPr lang="fr-FR" sz="2000" dirty="0">
+              <a:latin typeface="Abadi Extra Light" panose="020B0204020104020204" pitchFamily="34" charset="0"/>
+            </a:endParaRPr>
+          </a:p>
+          <a:p>
+            <a:pPr marL="285750" indent="-285750">
               <a:buFont typeface="Arial" panose="020B0604020202020204" pitchFamily="34" charset="0"/>
               <a:buChar char="•"/>
             </a:pPr>
-            <a:endParaRPr lang="fr-FR" dirty="0">
+            <a:r>
+              <a:rPr lang="fr-FR" sz="2000" dirty="0">
+                <a:latin typeface="Abadi Extra Light" panose="020B0204020104020204" pitchFamily="34" charset="0"/>
+              </a:rPr>
+              <a:t>Entreprise Européenne (</a:t>
+            </a:r>
+            <a:r>
+              <a:rPr lang="fr-FR" sz="2000" dirty="0" err="1">
+                <a:latin typeface="Abadi Extra Light" panose="020B0204020104020204" pitchFamily="34" charset="0"/>
+              </a:rPr>
+              <a:t>Italy</a:t>
+            </a:r>
+            <a:r>
+              <a:rPr lang="fr-FR" sz="2000" dirty="0">
+                <a:latin typeface="Abadi Extra Light" panose="020B0204020104020204" pitchFamily="34" charset="0"/>
+              </a:rPr>
+              <a:t>).</a:t>
+            </a:r>
+          </a:p>
+          <a:p>
+            <a:endParaRPr lang="fr-FR" sz="2000" dirty="0">
               <a:latin typeface="Abadi Extra Light" panose="020B0204020104020204" pitchFamily="34" charset="0"/>
             </a:endParaRPr>
           </a:p>
           <a:p>
-            <a:pPr marL="285750" indent="-285750" algn="just">
+            <a:pPr marL="285750" indent="-285750">
               <a:buFont typeface="Arial" panose="020B0604020202020204" pitchFamily="34" charset="0"/>
               <a:buChar char="•"/>
             </a:pPr>
             <a:r>
-              <a:rPr lang="fr-FR" dirty="0">
-                <a:latin typeface="Abadi Extra Light" panose="020B0204020104020204" pitchFamily="34" charset="0"/>
-              </a:rPr>
-              <a:t>Entreprise Européenne (</a:t>
-            </a:r>
-            <a:r>
-              <a:rPr lang="fr-FR" dirty="0" err="1">
-                <a:latin typeface="Abadi Extra Light" panose="020B0204020104020204" pitchFamily="34" charset="0"/>
-              </a:rPr>
-              <a:t>Italy</a:t>
-            </a:r>
-            <a:r>
-              <a:rPr lang="fr-FR" dirty="0">
-                <a:latin typeface="Abadi Extra Light" panose="020B0204020104020204" pitchFamily="34" charset="0"/>
-              </a:rPr>
-              <a:t>)</a:t>
-            </a:r>
-          </a:p>
-          <a:p>
-            <a:pPr marL="285750" indent="-285750" algn="just">
+              <a:rPr lang="fr-FR" sz="2000" dirty="0">
+                <a:latin typeface="Abadi Extra Light" panose="020B0204020104020204" pitchFamily="34" charset="0"/>
+              </a:rPr>
+              <a:t>Dispose de son propre environnement de développement.</a:t>
+            </a:r>
+          </a:p>
+          <a:p>
+            <a:endParaRPr lang="fr-FR" sz="2000" dirty="0">
+              <a:latin typeface="Abadi Extra Light" panose="020B0204020104020204" pitchFamily="34" charset="0"/>
+            </a:endParaRPr>
+          </a:p>
+          <a:p>
+            <a:pPr marL="285750" indent="-285750">
               <a:buFont typeface="Arial" panose="020B0604020202020204" pitchFamily="34" charset="0"/>
               <a:buChar char="•"/>
             </a:pPr>
-            <a:endParaRPr lang="fr-FR" dirty="0">
+            <a:r>
+              <a:rPr lang="fr-FR" sz="2000" dirty="0">
+                <a:latin typeface="Abadi Extra Light" panose="020B0204020104020204" pitchFamily="34" charset="0"/>
+              </a:rPr>
+              <a:t>Pas de slot carte SD de base</a:t>
+            </a:r>
+          </a:p>
+          <a:p>
+            <a:endParaRPr lang="fr-FR" sz="2000" dirty="0">
               <a:latin typeface="Abadi Extra Light" panose="020B0204020104020204" pitchFamily="34" charset="0"/>
             </a:endParaRPr>
           </a:p>
           <a:p>
-            <a:pPr marL="285750" indent="-285750" algn="just">
+            <a:pPr marL="285750" indent="-285750">
               <a:buFont typeface="Arial" panose="020B0604020202020204" pitchFamily="34" charset="0"/>
               <a:buChar char="•"/>
             </a:pPr>
             <a:r>
-              <a:rPr lang="fr-FR" dirty="0">
-                <a:latin typeface="Abadi Extra Light" panose="020B0204020104020204" pitchFamily="34" charset="0"/>
-              </a:rPr>
-              <a:t>Viens avec son propre environnement de développement</a:t>
-            </a:r>
-          </a:p>
-          <a:p>
-            <a:pPr marL="285750" indent="-285750" algn="just">
+              <a:rPr lang="fr-FR" sz="2000" dirty="0">
+                <a:latin typeface="Abadi Extra Light" panose="020B0204020104020204" pitchFamily="34" charset="0"/>
+              </a:rPr>
+              <a:t>Mise en réseau assez complexe</a:t>
+            </a:r>
+          </a:p>
+          <a:p>
+            <a:endParaRPr lang="fr-FR" sz="2000" dirty="0">
+              <a:latin typeface="Abadi Extra Light" panose="020B0204020104020204" pitchFamily="34" charset="0"/>
+            </a:endParaRPr>
+          </a:p>
+          <a:p>
+            <a:pPr marL="285750" indent="-285750">
               <a:buFont typeface="Arial" panose="020B0604020202020204" pitchFamily="34" charset="0"/>
               <a:buChar char="•"/>
             </a:pPr>
-            <a:endParaRPr lang="fr-FR" dirty="0">
-              <a:latin typeface="Abadi Extra Light" panose="020B0204020104020204" pitchFamily="34" charset="0"/>
-            </a:endParaRPr>
-          </a:p>
-          <a:p>
-            <a:pPr marL="285750" indent="-285750" algn="just">
-              <a:buFont typeface="Arial" panose="020B0604020202020204" pitchFamily="34" charset="0"/>
-              <a:buChar char="•"/>
-            </a:pPr>
-            <a:r>
-              <a:rPr lang="fr-FR" dirty="0">
-                <a:latin typeface="Abadi Extra Light" panose="020B0204020104020204" pitchFamily="34" charset="0"/>
-              </a:rPr>
-              <a:t>Facilité d’utilisation des capteurs via librairies</a:t>
-            </a:r>
-          </a:p>
-          <a:p>
-            <a:pPr marL="285750" indent="-285750" algn="just">
-              <a:buFont typeface="Arial" panose="020B0604020202020204" pitchFamily="34" charset="0"/>
-              <a:buChar char="•"/>
-            </a:pPr>
-            <a:endParaRPr lang="fr-FR" dirty="0">
-              <a:latin typeface="Abadi Extra Light" panose="020B0204020104020204" pitchFamily="34" charset="0"/>
-            </a:endParaRPr>
-          </a:p>
-          <a:p>
-            <a:pPr marL="285750" indent="-285750" algn="just">
-              <a:buFont typeface="Arial" panose="020B0604020202020204" pitchFamily="34" charset="0"/>
-              <a:buChar char="•"/>
-            </a:pPr>
-            <a:r>
-              <a:rPr lang="fr-FR" dirty="0">
-                <a:latin typeface="Abadi Extra Light" panose="020B0204020104020204" pitchFamily="34" charset="0"/>
-              </a:rPr>
-              <a:t>Pas de slot carte SD de base</a:t>
-            </a:r>
-          </a:p>
-          <a:p>
-            <a:pPr marL="285750" indent="-285750" algn="just">
-              <a:buFont typeface="Arial" panose="020B0604020202020204" pitchFamily="34" charset="0"/>
-              <a:buChar char="•"/>
-            </a:pPr>
-            <a:endParaRPr lang="fr-FR" dirty="0">
-              <a:latin typeface="Abadi Extra Light" panose="020B0204020104020204" pitchFamily="34" charset="0"/>
-            </a:endParaRPr>
-          </a:p>
-          <a:p>
-            <a:pPr marL="285750" indent="-285750" algn="just">
-              <a:buFont typeface="Arial" panose="020B0604020202020204" pitchFamily="34" charset="0"/>
-              <a:buChar char="•"/>
-            </a:pPr>
-            <a:r>
-              <a:rPr lang="fr-FR" dirty="0">
-                <a:latin typeface="Abadi Extra Light" panose="020B0204020104020204" pitchFamily="34" charset="0"/>
-              </a:rPr>
-              <a:t>Mise en réseau asse complexe</a:t>
-            </a:r>
-          </a:p>
-          <a:p>
-            <a:pPr algn="just"/>
-            <a:endParaRPr lang="fr-FR" dirty="0">
-              <a:latin typeface="Abadi Extra Light" panose="020B0204020104020204" pitchFamily="34" charset="0"/>
-            </a:endParaRPr>
-          </a:p>
-          <a:p>
-            <a:pPr marL="285750" indent="-285750" algn="just">
-              <a:buFont typeface="Arial" panose="020B0604020202020204" pitchFamily="34" charset="0"/>
-              <a:buChar char="•"/>
-            </a:pPr>
-            <a:r>
-              <a:rPr lang="fr-FR" dirty="0">
+            <a:r>
+              <a:rPr lang="fr-FR" sz="2000" dirty="0">
                 <a:latin typeface="Abadi Extra Light" panose="020B0204020104020204" pitchFamily="34" charset="0"/>
               </a:rPr>
               <a:t>Ce n’est pas un ordinateur donc impossible d’utiliser des programme tiers (git, VLC…)</a:t>
             </a:r>
-          </a:p>
-          <a:p>
-            <a:pPr marL="285750" indent="-285750" algn="just">
-              <a:buFont typeface="Arial" panose="020B0604020202020204" pitchFamily="34" charset="0"/>
-              <a:buChar char="•"/>
-            </a:pPr>
-            <a:endParaRPr lang="fr-FR" dirty="0">
-              <a:latin typeface="Abadi Extra Light" panose="020B0204020104020204" pitchFamily="34" charset="0"/>
-            </a:endParaRPr>
-          </a:p>
-          <a:p>
-            <a:pPr marL="285750" indent="-285750" algn="just">
-              <a:buFont typeface="Arial" panose="020B0604020202020204" pitchFamily="34" charset="0"/>
-              <a:buChar char="•"/>
-            </a:pPr>
-            <a:endParaRPr lang="fr-FR" dirty="0">
-              <a:latin typeface="Abadi Extra Light" panose="020B0204020104020204" pitchFamily="34" charset="0"/>
-            </a:endParaRPr>
           </a:p>
         </p:txBody>
       </p:sp>
@@ -3554,8 +3508,8 @@
         </p:nvSpPr>
         <p:spPr>
           <a:xfrm>
-            <a:off x="5079999" y="211995"/>
-            <a:ext cx="6984437" cy="5616150"/>
+            <a:off x="5079999" y="211994"/>
+            <a:ext cx="6984437" cy="5940088"/>
           </a:xfrm>
           <a:prstGeom prst="rect">
             <a:avLst/>
@@ -3609,7 +3563,7 @@
         <p:spPr>
           <a:xfrm>
             <a:off x="5079999" y="211995"/>
-            <a:ext cx="6687127" cy="5632311"/>
+            <a:ext cx="6687127" cy="5940088"/>
           </a:xfrm>
           <a:prstGeom prst="rect">
             <a:avLst/>
@@ -3622,187 +3576,143 @@
           </a:bodyPr>
           <a:lstStyle/>
           <a:p>
-            <a:pPr algn="just"/>
-            <a:r>
-              <a:rPr lang="fr-FR" dirty="0">
-                <a:latin typeface="Abadi Extra Light" panose="020B0204020104020204" pitchFamily="34" charset="0"/>
-              </a:rPr>
-              <a:t>Les cartes Raspberry sont des micro-ordinateur qui vienne avec une version de Debian linux spécialement conçu pour elles.</a:t>
-            </a:r>
-          </a:p>
-          <a:p>
-            <a:pPr marL="285750" indent="-285750" algn="just">
+            <a:r>
+              <a:rPr lang="fr-FR" sz="2000" dirty="0">
+                <a:latin typeface="Abadi Extra Light" panose="020B0204020104020204" pitchFamily="34" charset="0"/>
+              </a:rPr>
+              <a:t>Les cartes Raspberry sont des micro-ordinateurs qui dispose d’une version de Debian Linux spécialement conçue pour elles.</a:t>
+            </a:r>
+          </a:p>
+          <a:p>
+            <a:endParaRPr lang="fr-FR" sz="2000" dirty="0">
+              <a:latin typeface="Abadi Extra Light" panose="020B0204020104020204" pitchFamily="34" charset="0"/>
+            </a:endParaRPr>
+          </a:p>
+          <a:p>
+            <a:pPr marL="285750" indent="-285750">
               <a:buFont typeface="Arial" panose="020B0604020202020204" pitchFamily="34" charset="0"/>
               <a:buChar char="•"/>
             </a:pPr>
-            <a:endParaRPr lang="fr-FR" dirty="0">
+            <a:r>
+              <a:rPr lang="fr-FR" sz="2000" dirty="0">
+                <a:latin typeface="Abadi Extra Light" panose="020B0204020104020204" pitchFamily="34" charset="0"/>
+              </a:rPr>
+              <a:t>Système Linux donc aucune limitation en termes de fonctionnalité</a:t>
+            </a:r>
+          </a:p>
+          <a:p>
+            <a:endParaRPr lang="fr-FR" sz="2000" dirty="0">
               <a:latin typeface="Abadi Extra Light" panose="020B0204020104020204" pitchFamily="34" charset="0"/>
             </a:endParaRPr>
           </a:p>
           <a:p>
-            <a:pPr marL="285750" indent="-285750" algn="just">
+            <a:pPr marL="285750" indent="-285750">
               <a:buFont typeface="Arial" panose="020B0604020202020204" pitchFamily="34" charset="0"/>
               <a:buChar char="•"/>
             </a:pPr>
             <a:r>
-              <a:rPr lang="fr-FR" dirty="0">
-                <a:latin typeface="Abadi Extra Light" panose="020B0204020104020204" pitchFamily="34" charset="0"/>
-              </a:rPr>
-              <a:t>Système Linux donc aucune limitation en terme de fonctionnalité</a:t>
-            </a:r>
-          </a:p>
-          <a:p>
-            <a:pPr marL="285750" indent="-285750" algn="just">
+              <a:rPr lang="fr-FR" sz="2000" dirty="0">
+                <a:latin typeface="Abadi Extra Light" panose="020B0204020104020204" pitchFamily="34" charset="0"/>
+              </a:rPr>
+              <a:t>Interface réseau (possibilité d’utiliser le </a:t>
+            </a:r>
+            <a:r>
+              <a:rPr lang="fr-FR" sz="2000" dirty="0" err="1">
+                <a:latin typeface="Abadi Extra Light" panose="020B0204020104020204" pitchFamily="34" charset="0"/>
+              </a:rPr>
+              <a:t>ssh</a:t>
+            </a:r>
+            <a:r>
+              <a:rPr lang="fr-FR" sz="2000" dirty="0">
+                <a:latin typeface="Abadi Extra Light" panose="020B0204020104020204" pitchFamily="34" charset="0"/>
+              </a:rPr>
+              <a:t>)</a:t>
+            </a:r>
+          </a:p>
+          <a:p>
+            <a:endParaRPr lang="fr-FR" sz="2000" dirty="0">
+              <a:latin typeface="Abadi Extra Light" panose="020B0204020104020204" pitchFamily="34" charset="0"/>
+            </a:endParaRPr>
+          </a:p>
+          <a:p>
+            <a:pPr marL="285750" indent="-285750">
               <a:buFont typeface="Arial" panose="020B0604020202020204" pitchFamily="34" charset="0"/>
               <a:buChar char="•"/>
             </a:pPr>
-            <a:endParaRPr lang="fr-FR" dirty="0">
+            <a:r>
+              <a:rPr lang="fr-FR" sz="2000" dirty="0">
+                <a:latin typeface="Abadi Extra Light" panose="020B0204020104020204" pitchFamily="34" charset="0"/>
+              </a:rPr>
+              <a:t>Slot pour carte SD</a:t>
+            </a:r>
+          </a:p>
+          <a:p>
+            <a:endParaRPr lang="fr-FR" sz="2000" dirty="0">
               <a:latin typeface="Abadi Extra Light" panose="020B0204020104020204" pitchFamily="34" charset="0"/>
             </a:endParaRPr>
           </a:p>
           <a:p>
-            <a:pPr marL="285750" indent="-285750" algn="just">
+            <a:pPr marL="285750" indent="-285750">
               <a:buFont typeface="Arial" panose="020B0604020202020204" pitchFamily="34" charset="0"/>
               <a:buChar char="•"/>
             </a:pPr>
             <a:r>
-              <a:rPr lang="fr-FR" dirty="0">
-                <a:latin typeface="Abadi Extra Light" panose="020B0204020104020204" pitchFamily="34" charset="0"/>
-              </a:rPr>
-              <a:t>Interface réseau (possibilité d’utiliser le </a:t>
-            </a:r>
-            <a:r>
-              <a:rPr lang="fr-FR" dirty="0" err="1">
-                <a:latin typeface="Abadi Extra Light" panose="020B0204020104020204" pitchFamily="34" charset="0"/>
-              </a:rPr>
-              <a:t>ssh</a:t>
-            </a:r>
-            <a:r>
-              <a:rPr lang="fr-FR" dirty="0">
-                <a:latin typeface="Abadi Extra Light" panose="020B0204020104020204" pitchFamily="34" charset="0"/>
-              </a:rPr>
-              <a:t>)</a:t>
-            </a:r>
-          </a:p>
-          <a:p>
-            <a:pPr marL="285750" indent="-285750" algn="just">
+              <a:rPr lang="fr-FR" sz="2000" dirty="0">
+                <a:latin typeface="Abadi Extra Light" panose="020B0204020104020204" pitchFamily="34" charset="0"/>
+              </a:rPr>
+              <a:t>Permet de faire tourner plusieurs programmes en même temps (vidéo et mise à jour par exemple)</a:t>
+            </a:r>
+          </a:p>
+          <a:p>
+            <a:endParaRPr lang="fr-FR" sz="2000" dirty="0">
+              <a:latin typeface="Abadi Extra Light" panose="020B0204020104020204" pitchFamily="34" charset="0"/>
+            </a:endParaRPr>
+          </a:p>
+          <a:p>
+            <a:pPr marL="285750" indent="-285750">
               <a:buFont typeface="Arial" panose="020B0604020202020204" pitchFamily="34" charset="0"/>
               <a:buChar char="•"/>
             </a:pPr>
-            <a:endParaRPr lang="fr-FR" dirty="0">
+            <a:r>
+              <a:rPr lang="fr-FR" sz="2000" dirty="0">
+                <a:latin typeface="Abadi Extra Light" panose="020B0204020104020204" pitchFamily="34" charset="0"/>
+              </a:rPr>
+              <a:t>Consomme un peu plus que les Arduino</a:t>
+            </a:r>
+          </a:p>
+          <a:p>
+            <a:endParaRPr lang="fr-FR" sz="2000" dirty="0">
               <a:latin typeface="Abadi Extra Light" panose="020B0204020104020204" pitchFamily="34" charset="0"/>
             </a:endParaRPr>
           </a:p>
           <a:p>
-            <a:pPr marL="285750" indent="-285750" algn="just">
+            <a:pPr marL="285750" indent="-285750">
               <a:buFont typeface="Arial" panose="020B0604020202020204" pitchFamily="34" charset="0"/>
               <a:buChar char="•"/>
             </a:pPr>
             <a:r>
-              <a:rPr lang="fr-FR" dirty="0">
-                <a:latin typeface="Abadi Extra Light" panose="020B0204020104020204" pitchFamily="34" charset="0"/>
-              </a:rPr>
-              <a:t>Slot pour carte SD</a:t>
-            </a:r>
-          </a:p>
-          <a:p>
-            <a:pPr marL="285750" indent="-285750" algn="just">
+              <a:rPr lang="fr-FR" sz="2000" dirty="0">
+                <a:latin typeface="Abadi Extra Light" panose="020B0204020104020204" pitchFamily="34" charset="0"/>
+              </a:rPr>
+              <a:t>Permet de travailler en réseau via l’utilisation du protocole SSH</a:t>
+            </a:r>
+          </a:p>
+          <a:p>
+            <a:endParaRPr lang="fr-FR" sz="2000" dirty="0">
+              <a:latin typeface="Abadi Extra Light" panose="020B0204020104020204" pitchFamily="34" charset="0"/>
+            </a:endParaRPr>
+          </a:p>
+          <a:p>
+            <a:pPr marL="285750" indent="-285750">
               <a:buFont typeface="Arial" panose="020B0604020202020204" pitchFamily="34" charset="0"/>
               <a:buChar char="•"/>
             </a:pPr>
-            <a:endParaRPr lang="fr-FR" dirty="0">
-              <a:latin typeface="Abadi Extra Light" panose="020B0204020104020204" pitchFamily="34" charset="0"/>
-            </a:endParaRPr>
-          </a:p>
-          <a:p>
-            <a:pPr marL="285750" indent="-285750" algn="just">
-              <a:buFont typeface="Arial" panose="020B0604020202020204" pitchFamily="34" charset="0"/>
-              <a:buChar char="•"/>
-            </a:pPr>
-            <a:r>
-              <a:rPr lang="fr-FR" dirty="0">
-                <a:latin typeface="Abadi Extra Light" panose="020B0204020104020204" pitchFamily="34" charset="0"/>
-              </a:rPr>
-              <a:t>Permet de faire tourner plusieurs programme en même temps (vidéo + mise à jour par exemple)</a:t>
-            </a:r>
-          </a:p>
-          <a:p>
-            <a:pPr marL="285750" indent="-285750" algn="just">
-              <a:buFont typeface="Arial" panose="020B0604020202020204" pitchFamily="34" charset="0"/>
-              <a:buChar char="•"/>
-            </a:pPr>
-            <a:endParaRPr lang="fr-FR" dirty="0">
-              <a:latin typeface="Abadi Extra Light" panose="020B0204020104020204" pitchFamily="34" charset="0"/>
-            </a:endParaRPr>
-          </a:p>
-          <a:p>
-            <a:pPr marL="285750" indent="-285750" algn="just">
-              <a:buFont typeface="Arial" panose="020B0604020202020204" pitchFamily="34" charset="0"/>
-              <a:buChar char="•"/>
-            </a:pPr>
-            <a:r>
-              <a:rPr lang="fr-FR" dirty="0">
-                <a:latin typeface="Abadi Extra Light" panose="020B0204020104020204" pitchFamily="34" charset="0"/>
-              </a:rPr>
-              <a:t>Consomme un peu plus que les Arduino</a:t>
-            </a:r>
-          </a:p>
-          <a:p>
-            <a:pPr marL="285750" indent="-285750" algn="just">
-              <a:buFont typeface="Arial" panose="020B0604020202020204" pitchFamily="34" charset="0"/>
-              <a:buChar char="•"/>
-            </a:pPr>
-            <a:endParaRPr lang="fr-FR" dirty="0">
-              <a:latin typeface="Abadi Extra Light" panose="020B0204020104020204" pitchFamily="34" charset="0"/>
-            </a:endParaRPr>
-          </a:p>
-          <a:p>
-            <a:pPr marL="285750" indent="-285750" algn="just">
-              <a:buFont typeface="Arial" panose="020B0604020202020204" pitchFamily="34" charset="0"/>
-              <a:buChar char="•"/>
-            </a:pPr>
-            <a:r>
-              <a:rPr lang="fr-FR" dirty="0">
-                <a:latin typeface="Abadi Extra Light" panose="020B0204020104020204" pitchFamily="34" charset="0"/>
-              </a:rPr>
-              <a:t>Permet de travailler en réseau via l’utilisation du protocole SSH</a:t>
-            </a:r>
-          </a:p>
-          <a:p>
-            <a:pPr marL="285750" indent="-285750" algn="just">
-              <a:buFont typeface="Arial" panose="020B0604020202020204" pitchFamily="34" charset="0"/>
-              <a:buChar char="•"/>
-            </a:pPr>
-            <a:endParaRPr lang="fr-FR" dirty="0">
-              <a:latin typeface="Abadi Extra Light" panose="020B0204020104020204" pitchFamily="34" charset="0"/>
-            </a:endParaRPr>
-          </a:p>
-          <a:p>
-            <a:pPr marL="285750" indent="-285750" algn="just">
-              <a:buFont typeface="Arial" panose="020B0604020202020204" pitchFamily="34" charset="0"/>
-              <a:buChar char="•"/>
-            </a:pPr>
-            <a:r>
-              <a:rPr lang="fr-FR" dirty="0">
-                <a:latin typeface="Abadi Extra Light" panose="020B0204020104020204" pitchFamily="34" charset="0"/>
-              </a:rPr>
-              <a:t>Nécessité de faire de la programmation en plusieurs langage et du système linux</a:t>
-            </a:r>
-          </a:p>
-          <a:p>
-            <a:pPr marL="285750" indent="-285750" algn="just">
-              <a:buFont typeface="Arial" panose="020B0604020202020204" pitchFamily="34" charset="0"/>
-              <a:buChar char="•"/>
-            </a:pPr>
-            <a:endParaRPr lang="fr-FR" dirty="0">
-              <a:latin typeface="Abadi Extra Light" panose="020B0204020104020204" pitchFamily="34" charset="0"/>
-            </a:endParaRPr>
-          </a:p>
-          <a:p>
-            <a:pPr algn="just"/>
-            <a:endParaRPr lang="fr-FR" dirty="0">
-              <a:latin typeface="Abadi Extra Light" panose="020B0204020104020204" pitchFamily="34" charset="0"/>
-            </a:endParaRPr>
+            <a:r>
+              <a:rPr lang="fr-FR" sz="2000" dirty="0">
+                <a:latin typeface="Abadi Extra Light" panose="020B0204020104020204" pitchFamily="34" charset="0"/>
+              </a:rPr>
+              <a:t>Nécessité de faire de la programmation en plusieurs langages et du système linux</a:t>
+            </a:r>
           </a:p>
         </p:txBody>
       </p:sp>
@@ -3878,17 +3788,10 @@
           <a:p>
             <a:pPr algn="just"/>
             <a:r>
-              <a:rPr lang="fr-FR" sz="3600" dirty="0"/>
-              <a:t>Les Raspberry PI sembles plus convenir à nos besoins du fait de la multiplicité des fonctionnalité de l’ </a:t>
-            </a:r>
-            <a:r>
-              <a:rPr lang="fr-FR" sz="3600" dirty="0" err="1"/>
-              <a:t>Oceanbox</a:t>
-            </a:r>
-            <a:r>
-              <a:rPr lang="fr-FR" sz="3600" dirty="0"/>
-              <a:t>, de notre volonté de mettre toutes les cartes en réseaux notre connaissance en programmation système et de notre volonté de mettre en production cette box.</a:t>
-            </a:r>
+              <a:rPr lang="fr-FR" sz="4000" dirty="0"/>
+              <a:t>Les Raspberry PI semblent plus convenir à nos besoins du fait de la multiplicité des fonctionnalité de l’ OceanBox, de notre volonté de mettre toutes les cartes en réseaux, de notre connaissance en programmation système et de notre envie de mettre en production cette box.</a:t>
+            </a:r>
+            <a:endParaRPr lang="fr-FR" sz="3200" dirty="0"/>
           </a:p>
         </p:txBody>
       </p:sp>
@@ -3987,7 +3890,7 @@
           <a:p>
             <a:r>
               <a:rPr lang="fr-FR" dirty="0"/>
-              <a:t>Raspberry propose plusieurs gammes de carte avec chacune leurs spécificités</a:t>
+              <a:t>Raspberry propose plusieurs gammes de cartes avec chacune leurs spécificités</a:t>
             </a:r>
           </a:p>
         </p:txBody>
@@ -5464,19 +5367,7 @@
               <a:rPr lang="fr-FR" dirty="0">
                 <a:latin typeface="Abadi Extra Light" panose="020B0204020104020204" pitchFamily="34" charset="0"/>
               </a:rPr>
-              <a:t>Un peu </a:t>
-            </a:r>
-            <a:r>
-              <a:rPr lang="fr-FR" dirty="0" err="1">
-                <a:latin typeface="Abadi Extra Light" panose="020B0204020104020204" pitchFamily="34" charset="0"/>
-              </a:rPr>
-              <a:t>moin</a:t>
-            </a:r>
-            <a:r>
-              <a:rPr lang="fr-FR" dirty="0">
-                <a:latin typeface="Abadi Extra Light" panose="020B0204020104020204" pitchFamily="34" charset="0"/>
-              </a:rPr>
-              <a:t> consommatrice en ressource</a:t>
+              <a:t>Un peu moins consommatrice en ressource</a:t>
             </a:r>
           </a:p>
         </p:txBody>
@@ -5514,17 +5405,8 @@
               <a:rPr lang="fr-FR" dirty="0">
                 <a:latin typeface="Abadi Extra Light" panose="020B0204020104020204" pitchFamily="34" charset="0"/>
               </a:rPr>
-              <a:t>Etants les plus petites carte Raspberry sur le marché, elle utilisent asse peu de métaux et de ressources dans leur </a:t>
-            </a:r>
-            <a:r>
-              <a:rPr lang="fr-FR" dirty="0" err="1">
-                <a:latin typeface="Abadi Extra Light" panose="020B0204020104020204" pitchFamily="34" charset="0"/>
-              </a:rPr>
-              <a:t>frabrication</a:t>
-            </a:r>
-            <a:endParaRPr lang="fr-FR" dirty="0">
-              <a:latin typeface="Abadi Extra Light" panose="020B0204020104020204" pitchFamily="34" charset="0"/>
-            </a:endParaRPr>
+              <a:t>Etants les plus petites carte Raspberry sur le marché, elle utilisent asse peu de métaux et de ressources dans leur fabrication</a:t>
+            </a:r>
           </a:p>
         </p:txBody>
       </p:sp>
